--- a/Final Presentation.pptx
+++ b/Final Presentation.pptx
@@ -15,8 +15,9 @@
     <p:sldId id="263" r:id="rId9"/>
     <p:sldId id="264" r:id="rId10"/>
     <p:sldId id="265" r:id="rId11"/>
-    <p:sldId id="266" r:id="rId12"/>
-    <p:sldId id="267" r:id="rId13"/>
+    <p:sldId id="269" r:id="rId12"/>
+    <p:sldId id="268" r:id="rId13"/>
+    <p:sldId id="267" r:id="rId14"/>
   </p:sldIdLst>
   <p:sldSz cx="12192000" cy="6858000"/>
   <p:notesSz cx="6858000" cy="9144000"/>
@@ -115,6 +116,11 @@
       </a:defRPr>
     </a:lvl9pPr>
   </p:defaultTextStyle>
+  <p:extLst>
+    <p:ext uri="{EFAFB233-063F-42B5-8137-9DF3F51BA10A}">
+      <p15:sldGuideLst xmlns:p15="http://schemas.microsoft.com/office/powerpoint/2012/main"/>
+    </p:ext>
+  </p:extLst>
 </p:presentation>
 </file>
 
@@ -9803,7 +9809,7 @@
             <a:fld id="{11A6662E-FAF4-44BC-88B5-85A7CBFB6D30}" type="datetime1">
               <a:rPr lang="en-US" smtClean="0"/>
               <a:pPr/>
-              <a:t>11/21/24</a:t>
+              <a:t>11/22/24</a:t>
             </a:fld>
             <a:endParaRPr lang="en-US"/>
           </a:p>
@@ -10014,7 +10020,7 @@
           <a:p>
             <a:fld id="{4C559632-1575-4E14-B53B-3DC3D5ED3947}" type="datetime1">
               <a:rPr lang="en-US" smtClean="0"/>
-              <a:t>11/21/24</a:t>
+              <a:t>11/22/24</a:t>
             </a:fld>
             <a:endParaRPr lang="en-US"/>
           </a:p>
@@ -10222,7 +10228,7 @@
           <a:p>
             <a:fld id="{CC4A6868-2568-4CC9-B302-F37117B01A6E}" type="datetime1">
               <a:rPr lang="en-US" smtClean="0"/>
-              <a:t>11/21/24</a:t>
+              <a:t>11/22/24</a:t>
             </a:fld>
             <a:endParaRPr lang="en-US"/>
           </a:p>
@@ -10425,7 +10431,7 @@
           <a:p>
             <a:fld id="{0055F08A-1E71-4B2B-BB49-E743F2903911}" type="datetime1">
               <a:rPr lang="en-US" smtClean="0"/>
-              <a:t>11/21/24</a:t>
+              <a:t>11/22/24</a:t>
             </a:fld>
             <a:endParaRPr lang="en-US" dirty="0"/>
           </a:p>
@@ -10699,7 +10705,7 @@
           <a:p>
             <a:fld id="{15417D9E-721A-44BB-8863-9873FE64DA75}" type="datetime1">
               <a:rPr lang="en-US" smtClean="0"/>
-              <a:t>11/21/24</a:t>
+              <a:t>11/22/24</a:t>
             </a:fld>
             <a:endParaRPr lang="en-US"/>
           </a:p>
@@ -10969,7 +10975,7 @@
           <a:p>
             <a:fld id="{5F31DA2F-80B8-49CF-99FB-5ABCA53A607A}" type="datetime1">
               <a:rPr lang="en-US" smtClean="0"/>
-              <a:t>11/21/24</a:t>
+              <a:t>11/22/24</a:t>
             </a:fld>
             <a:endParaRPr lang="en-US"/>
           </a:p>
@@ -11382,7 +11388,7 @@
           <a:p>
             <a:fld id="{28852172-E6C9-4B6C-929A-A9DE3837BBF1}" type="datetime1">
               <a:rPr lang="en-US" smtClean="0"/>
-              <a:t>11/21/24</a:t>
+              <a:t>11/22/24</a:t>
             </a:fld>
             <a:endParaRPr lang="en-US"/>
           </a:p>
@@ -11528,7 +11534,7 @@
           <a:p>
             <a:fld id="{3AB41CFF-90C9-47B3-9DA1-F2BF8D839F7E}" type="datetime1">
               <a:rPr lang="en-US" smtClean="0"/>
-              <a:t>11/21/24</a:t>
+              <a:t>11/22/24</a:t>
             </a:fld>
             <a:endParaRPr lang="en-US"/>
           </a:p>
@@ -11641,7 +11647,7 @@
           <a:p>
             <a:fld id="{F06048FA-06AB-4884-A69B-986B96E68A24}" type="datetime1">
               <a:rPr lang="en-US" smtClean="0"/>
-              <a:t>11/21/24</a:t>
+              <a:t>11/22/24</a:t>
             </a:fld>
             <a:endParaRPr lang="en-US"/>
           </a:p>
@@ -11952,7 +11958,7 @@
           <a:p>
             <a:fld id="{50DB7ABA-0172-4F9C-889D-567164F66BCD}" type="datetime1">
               <a:rPr lang="en-US" smtClean="0"/>
-              <a:t>11/21/24</a:t>
+              <a:t>11/22/24</a:t>
             </a:fld>
             <a:endParaRPr lang="en-US"/>
           </a:p>
@@ -12243,7 +12249,7 @@
           <a:p>
             <a:fld id="{78AC6A5B-8AE7-4A41-B5A7-9ADC6686DC18}" type="datetime1">
               <a:rPr lang="en-US" smtClean="0"/>
-              <a:t>11/21/24</a:t>
+              <a:t>11/22/24</a:t>
             </a:fld>
             <a:endParaRPr lang="en-US"/>
           </a:p>
@@ -12589,7 +12595,7 @@
             <a:fld id="{57E0CF6C-748E-4B7A-BC8B-3011EF78ED13}" type="datetime1">
               <a:rPr lang="en-US" smtClean="0"/>
               <a:pPr/>
-              <a:t>11/21/24</a:t>
+              <a:t>11/22/24</a:t>
             </a:fld>
             <a:endParaRPr lang="en-US" dirty="0"/>
           </a:p>
@@ -13424,7 +13430,7 @@
                   <a:srgbClr val="FFFFFF"/>
                 </a:solidFill>
               </a:rPr>
-              <a:t>Blockchain Based Real Estate Management System</a:t>
+              <a:t>TokenLand: Blockchain Based Real Estate Management System</a:t>
             </a:r>
           </a:p>
         </p:txBody>
@@ -13915,9 +13921,423 @@
           <a:chExt cx="0" cy="0"/>
         </a:xfrm>
       </p:grpSpPr>
+      <p:sp useBgFill="1">
+        <p:nvSpPr>
+          <p:cNvPr id="8" name="Rectangle 7">
+            <a:extLst>
+              <a:ext uri="{FF2B5EF4-FFF2-40B4-BE49-F238E27FC236}">
+                <a16:creationId xmlns:a16="http://schemas.microsoft.com/office/drawing/2014/main" id="{8651CFA9-6065-4243-AC48-858E359780B1}"/>
+              </a:ext>
+              <a:ext uri="{C183D7F6-B498-43B3-948B-1728B52AA6E4}">
+                <adec:decorative xmlns:adec="http://schemas.microsoft.com/office/drawing/2017/decorative" val="1"/>
+              </a:ext>
+            </a:extLst>
+          </p:cNvPr>
+          <p:cNvSpPr>
+            <a:spLocks noGrp="1" noRot="1" noChangeAspect="1" noMove="1" noResize="1" noEditPoints="1" noAdjustHandles="1" noChangeArrowheads="1" noChangeShapeType="1" noTextEdit="1"/>
+          </p:cNvSpPr>
+          <p:nvPr>
+            <p:extLst>
+              <p:ext uri="{386F3935-93C4-4BCD-93E2-E3B085C9AB24}">
+                <p16:designElem xmlns:p16="http://schemas.microsoft.com/office/powerpoint/2015/main" val="1"/>
+              </p:ext>
+            </p:extLst>
+          </p:nvPr>
+        </p:nvSpPr>
+        <p:spPr>
+          <a:xfrm>
+            <a:off x="0" y="0"/>
+            <a:ext cx="12192000" cy="6858000"/>
+          </a:xfrm>
+          <a:prstGeom prst="rect">
+            <a:avLst/>
+          </a:prstGeom>
+          <a:ln>
+            <a:noFill/>
+          </a:ln>
+        </p:spPr>
+        <p:style>
+          <a:lnRef idx="2">
+            <a:schemeClr val="accent1">
+              <a:shade val="50000"/>
+            </a:schemeClr>
+          </a:lnRef>
+          <a:fillRef idx="1">
+            <a:schemeClr val="accent1"/>
+          </a:fillRef>
+          <a:effectRef idx="0">
+            <a:schemeClr val="accent1"/>
+          </a:effectRef>
+          <a:fontRef idx="minor">
+            <a:schemeClr val="lt1"/>
+          </a:fontRef>
+        </p:style>
+        <p:txBody>
+          <a:bodyPr rtlCol="0" anchor="ctr"/>
+          <a:lstStyle/>
+          <a:p>
+            <a:pPr algn="ctr"/>
+            <a:endParaRPr lang="en-US">
+              <a:solidFill>
+                <a:schemeClr val="tx1">
+                  <a:lumMod val="65000"/>
+                  <a:lumOff val="35000"/>
+                </a:schemeClr>
+              </a:solidFill>
+              <a:latin typeface="AvenirNext LT Pro Medium" panose="020B0504020202020204" pitchFamily="34" charset="0"/>
+            </a:endParaRPr>
+          </a:p>
+        </p:txBody>
+      </p:sp>
       <p:sp>
         <p:nvSpPr>
-          <p:cNvPr id="9" name="Rectangle 8">
+          <p:cNvPr id="10" name="Rectangle 9">
+            <a:extLst>
+              <a:ext uri="{FF2B5EF4-FFF2-40B4-BE49-F238E27FC236}">
+                <a16:creationId xmlns:a16="http://schemas.microsoft.com/office/drawing/2014/main" id="{37962AE0-6A1C-4B76-9D52-10E5E6D7D3BB}"/>
+              </a:ext>
+              <a:ext uri="{C183D7F6-B498-43B3-948B-1728B52AA6E4}">
+                <adec:decorative xmlns:adec="http://schemas.microsoft.com/office/drawing/2017/decorative" val="1"/>
+              </a:ext>
+            </a:extLst>
+          </p:cNvPr>
+          <p:cNvSpPr>
+            <a:spLocks noGrp="1" noRot="1" noChangeAspect="1" noMove="1" noResize="1" noEditPoints="1" noAdjustHandles="1" noChangeArrowheads="1" noChangeShapeType="1" noTextEdit="1"/>
+          </p:cNvSpPr>
+          <p:nvPr>
+            <p:extLst>
+              <p:ext uri="{386F3935-93C4-4BCD-93E2-E3B085C9AB24}">
+                <p16:designElem xmlns:p16="http://schemas.microsoft.com/office/powerpoint/2015/main" val="1"/>
+              </p:ext>
+            </p:extLst>
+          </p:nvPr>
+        </p:nvSpPr>
+        <p:spPr>
+          <a:xfrm>
+            <a:off x="0" y="0"/>
+            <a:ext cx="12188952" cy="6858000"/>
+          </a:xfrm>
+          <a:prstGeom prst="rect">
+            <a:avLst/>
+          </a:prstGeom>
+          <a:solidFill>
+            <a:schemeClr val="bg2">
+              <a:alpha val="70000"/>
+            </a:schemeClr>
+          </a:solidFill>
+          <a:ln>
+            <a:noFill/>
+          </a:ln>
+        </p:spPr>
+        <p:style>
+          <a:lnRef idx="2">
+            <a:schemeClr val="accent1">
+              <a:shade val="50000"/>
+            </a:schemeClr>
+          </a:lnRef>
+          <a:fillRef idx="1">
+            <a:schemeClr val="accent1"/>
+          </a:fillRef>
+          <a:effectRef idx="0">
+            <a:schemeClr val="accent1"/>
+          </a:effectRef>
+          <a:fontRef idx="minor">
+            <a:schemeClr val="lt1"/>
+          </a:fontRef>
+        </p:style>
+        <p:txBody>
+          <a:bodyPr rtlCol="0" anchor="ctr"/>
+          <a:lstStyle/>
+          <a:p>
+            <a:pPr algn="ctr"/>
+            <a:endParaRPr lang="en-US">
+              <a:solidFill>
+                <a:schemeClr val="tx1">
+                  <a:lumMod val="65000"/>
+                  <a:lumOff val="35000"/>
+                </a:schemeClr>
+              </a:solidFill>
+              <a:latin typeface="AvenirNext LT Pro Medium" panose="020B0504020202020204" pitchFamily="34" charset="0"/>
+            </a:endParaRPr>
+          </a:p>
+        </p:txBody>
+      </p:sp>
+      <p:sp>
+        <p:nvSpPr>
+          <p:cNvPr id="12" name="Rectangle 11">
+            <a:extLst>
+              <a:ext uri="{FF2B5EF4-FFF2-40B4-BE49-F238E27FC236}">
+                <a16:creationId xmlns:a16="http://schemas.microsoft.com/office/drawing/2014/main" id="{111EAB55-6361-4D2E-B9A0-72953AB11CA6}"/>
+              </a:ext>
+              <a:ext uri="{C183D7F6-B498-43B3-948B-1728B52AA6E4}">
+                <adec:decorative xmlns:adec="http://schemas.microsoft.com/office/drawing/2017/decorative" val="1"/>
+              </a:ext>
+            </a:extLst>
+          </p:cNvPr>
+          <p:cNvSpPr>
+            <a:spLocks noGrp="1" noRot="1" noChangeAspect="1" noMove="1" noResize="1" noEditPoints="1" noAdjustHandles="1" noChangeArrowheads="1" noChangeShapeType="1" noTextEdit="1"/>
+          </p:cNvSpPr>
+          <p:nvPr>
+            <p:extLst>
+              <p:ext uri="{386F3935-93C4-4BCD-93E2-E3B085C9AB24}">
+                <p16:designElem xmlns:p16="http://schemas.microsoft.com/office/powerpoint/2015/main" val="1"/>
+              </p:ext>
+            </p:extLst>
+          </p:nvPr>
+        </p:nvSpPr>
+        <p:spPr>
+          <a:xfrm>
+            <a:off x="0" y="0"/>
+            <a:ext cx="12192000" cy="3429000"/>
+          </a:xfrm>
+          <a:prstGeom prst="rect">
+            <a:avLst/>
+          </a:prstGeom>
+          <a:solidFill>
+            <a:schemeClr val="tx2">
+              <a:lumMod val="90000"/>
+              <a:lumOff val="10000"/>
+            </a:schemeClr>
+          </a:solidFill>
+          <a:ln>
+            <a:noFill/>
+          </a:ln>
+        </p:spPr>
+        <p:style>
+          <a:lnRef idx="2">
+            <a:schemeClr val="accent1">
+              <a:shade val="50000"/>
+            </a:schemeClr>
+          </a:lnRef>
+          <a:fillRef idx="1">
+            <a:schemeClr val="accent1"/>
+          </a:fillRef>
+          <a:effectRef idx="0">
+            <a:schemeClr val="accent1"/>
+          </a:effectRef>
+          <a:fontRef idx="minor">
+            <a:schemeClr val="lt1"/>
+          </a:fontRef>
+        </p:style>
+        <p:txBody>
+          <a:bodyPr rtlCol="0" anchor="ctr"/>
+          <a:lstStyle/>
+          <a:p>
+            <a:pPr algn="ctr"/>
+            <a:endParaRPr lang="en-US" dirty="0"/>
+          </a:p>
+        </p:txBody>
+      </p:sp>
+      <p:sp>
+        <p:nvSpPr>
+          <p:cNvPr id="14" name="Rectangle 13">
+            <a:extLst>
+              <a:ext uri="{FF2B5EF4-FFF2-40B4-BE49-F238E27FC236}">
+                <a16:creationId xmlns:a16="http://schemas.microsoft.com/office/drawing/2014/main" id="{E2584305-C834-4AD0-AC2F-60906D91C052}"/>
+              </a:ext>
+              <a:ext uri="{C183D7F6-B498-43B3-948B-1728B52AA6E4}">
+                <adec:decorative xmlns:adec="http://schemas.microsoft.com/office/drawing/2017/decorative" val="1"/>
+              </a:ext>
+            </a:extLst>
+          </p:cNvPr>
+          <p:cNvSpPr>
+            <a:spLocks noGrp="1" noRot="1" noChangeAspect="1" noMove="1" noResize="1" noEditPoints="1" noAdjustHandles="1" noChangeArrowheads="1" noChangeShapeType="1" noTextEdit="1"/>
+          </p:cNvSpPr>
+          <p:nvPr>
+            <p:extLst>
+              <p:ext uri="{386F3935-93C4-4BCD-93E2-E3B085C9AB24}">
+                <p16:designElem xmlns:p16="http://schemas.microsoft.com/office/powerpoint/2015/main" val="1"/>
+              </p:ext>
+            </p:extLst>
+          </p:nvPr>
+        </p:nvSpPr>
+        <p:spPr>
+          <a:xfrm>
+            <a:off x="1524" y="0"/>
+            <a:ext cx="12188952" cy="3429000"/>
+          </a:xfrm>
+          <a:prstGeom prst="rect">
+            <a:avLst/>
+          </a:prstGeom>
+          <a:blipFill dpi="0" rotWithShape="1">
+            <a:blip r:embed="rId2">
+              <a:alphaModFix amt="24000"/>
+              <a:duotone>
+                <a:schemeClr val="accent1">
+                  <a:shade val="45000"/>
+                  <a:satMod val="135000"/>
+                </a:schemeClr>
+                <a:prstClr val="white"/>
+              </a:duotone>
+            </a:blip>
+            <a:srcRect/>
+            <a:tile tx="889000" ty="0" sx="100000" sy="100000" flip="none" algn="tl"/>
+          </a:blipFill>
+          <a:ln>
+            <a:noFill/>
+          </a:ln>
+        </p:spPr>
+        <p:style>
+          <a:lnRef idx="2">
+            <a:schemeClr val="accent1">
+              <a:shade val="50000"/>
+            </a:schemeClr>
+          </a:lnRef>
+          <a:fillRef idx="1">
+            <a:schemeClr val="accent1"/>
+          </a:fillRef>
+          <a:effectRef idx="0">
+            <a:schemeClr val="accent1"/>
+          </a:effectRef>
+          <a:fontRef idx="minor">
+            <a:schemeClr val="lt1"/>
+          </a:fontRef>
+        </p:style>
+        <p:txBody>
+          <a:bodyPr rtlCol="0" anchor="ctr"/>
+          <a:lstStyle/>
+          <a:p>
+            <a:pPr algn="ctr"/>
+            <a:endParaRPr lang="en-US" dirty="0"/>
+          </a:p>
+        </p:txBody>
+      </p:sp>
+      <p:sp>
+        <p:nvSpPr>
+          <p:cNvPr id="2" name="Title 1">
+            <a:extLst>
+              <a:ext uri="{FF2B5EF4-FFF2-40B4-BE49-F238E27FC236}">
+                <a16:creationId xmlns:a16="http://schemas.microsoft.com/office/drawing/2014/main" id="{A81BE33E-3BBA-8908-91A0-8DF47AA0C0C7}"/>
+              </a:ext>
+            </a:extLst>
+          </p:cNvPr>
+          <p:cNvSpPr>
+            <a:spLocks noGrp="1"/>
+          </p:cNvSpPr>
+          <p:nvPr>
+            <p:ph type="title"/>
+          </p:nvPr>
+        </p:nvSpPr>
+        <p:spPr>
+          <a:xfrm>
+            <a:off x="1198181" y="559813"/>
+            <a:ext cx="9988166" cy="2564387"/>
+          </a:xfrm>
+        </p:spPr>
+        <p:txBody>
+          <a:bodyPr anchor="ctr">
+            <a:normAutofit/>
+          </a:bodyPr>
+          <a:lstStyle/>
+          <a:p>
+            <a:pPr algn="ctr"/>
+            <a:r>
+              <a:rPr lang="en-US" dirty="0"/>
+              <a:t>Project Demo</a:t>
+            </a:r>
+            <a:endParaRPr lang="en-US"/>
+          </a:p>
+        </p:txBody>
+      </p:sp>
+      <p:sp>
+        <p:nvSpPr>
+          <p:cNvPr id="3" name="Content Placeholder 2">
+            <a:extLst>
+              <a:ext uri="{FF2B5EF4-FFF2-40B4-BE49-F238E27FC236}">
+                <a16:creationId xmlns:a16="http://schemas.microsoft.com/office/drawing/2014/main" id="{7D54A00A-15E1-E14C-B639-D93768E922F0}"/>
+              </a:ext>
+            </a:extLst>
+          </p:cNvPr>
+          <p:cNvSpPr>
+            <a:spLocks noGrp="1"/>
+          </p:cNvSpPr>
+          <p:nvPr>
+            <p:ph idx="1"/>
+          </p:nvPr>
+        </p:nvSpPr>
+        <p:spPr>
+          <a:xfrm>
+            <a:off x="2005091" y="3657600"/>
+            <a:ext cx="8188033" cy="2455487"/>
+          </a:xfrm>
+        </p:spPr>
+        <p:txBody>
+          <a:bodyPr anchor="ctr">
+            <a:normAutofit/>
+          </a:bodyPr>
+          <a:lstStyle/>
+          <a:p>
+            <a:pPr marL="0" indent="0" algn="ctr">
+              <a:buNone/>
+            </a:pPr>
+            <a:r>
+              <a:rPr lang="en-US" sz="1800" dirty="0">
+                <a:solidFill>
+                  <a:schemeClr val="tx1"/>
+                </a:solidFill>
+                <a:hlinkClick r:id="rId3"/>
+              </a:rPr>
+              <a:t>https://drive.google.com/file/d/10IK-PYjoY5I9lyRLSYchtaMUnymdNgM1/view?usp=share_link</a:t>
+            </a:r>
+            <a:endParaRPr lang="en-US" sz="1800" dirty="0">
+              <a:solidFill>
+                <a:schemeClr val="tx1"/>
+              </a:solidFill>
+            </a:endParaRPr>
+          </a:p>
+          <a:p>
+            <a:pPr marL="0" indent="0" algn="ctr">
+              <a:buNone/>
+            </a:pPr>
+            <a:endParaRPr lang="en-US" sz="1800" dirty="0">
+              <a:solidFill>
+                <a:schemeClr val="tx1"/>
+              </a:solidFill>
+            </a:endParaRPr>
+          </a:p>
+        </p:txBody>
+      </p:sp>
+    </p:spTree>
+    <p:extLst>
+      <p:ext uri="{BB962C8B-B14F-4D97-AF65-F5344CB8AC3E}">
+        <p14:creationId xmlns:p14="http://schemas.microsoft.com/office/powerpoint/2010/main" val="3636776636"/>
+      </p:ext>
+    </p:extLst>
+  </p:cSld>
+  <p:clrMapOvr>
+    <a:masterClrMapping/>
+  </p:clrMapOvr>
+</p:sld>
+</file>
+
+<file path=ppt/slides/slide12.xml><?xml version="1.0" encoding="utf-8"?>
+<p:sld xmlns:a="http://schemas.openxmlformats.org/drawingml/2006/main" xmlns:r="http://schemas.openxmlformats.org/officeDocument/2006/relationships" xmlns:p="http://schemas.openxmlformats.org/presentationml/2006/main">
+  <p:cSld>
+    <p:bg>
+      <p:bgPr>
+        <a:solidFill>
+          <a:schemeClr val="bg1"/>
+        </a:solidFill>
+        <a:effectLst/>
+      </p:bgPr>
+    </p:bg>
+    <p:spTree>
+      <p:nvGrpSpPr>
+        <p:cNvPr id="1" name=""/>
+        <p:cNvGrpSpPr/>
+        <p:nvPr/>
+      </p:nvGrpSpPr>
+      <p:grpSpPr>
+        <a:xfrm>
+          <a:off x="0" y="0"/>
+          <a:ext cx="0" cy="0"/>
+          <a:chOff x="0" y="0"/>
+          <a:chExt cx="0" cy="0"/>
+        </a:xfrm>
+      </p:grpSpPr>
+      <p:sp>
+        <p:nvSpPr>
+          <p:cNvPr id="8" name="Rectangle 7">
             <a:extLst>
               <a:ext uri="{FF2B5EF4-FFF2-40B4-BE49-F238E27FC236}">
                 <a16:creationId xmlns:a16="http://schemas.microsoft.com/office/drawing/2014/main" id="{0BABF38A-8A0D-492E-BD20-6CF4D46B50BD}"/>
@@ -13991,7 +14411,7 @@
       </p:sp>
       <p:pic>
         <p:nvPicPr>
-          <p:cNvPr id="11" name="Picture 10">
+          <p:cNvPr id="10" name="Picture 9">
             <a:extLst>
               <a:ext uri="{FF2B5EF4-FFF2-40B4-BE49-F238E27FC236}">
                 <a16:creationId xmlns:a16="http://schemas.microsoft.com/office/drawing/2014/main" id="{1CB7E8AE-A3AC-4BB7-A5C6-F00EC697B265}"/>
@@ -14037,10 +14457,10 @@
       </p:pic>
       <p:sp useBgFill="1">
         <p:nvSpPr>
-          <p:cNvPr id="13" name="Rectangle 12">
+          <p:cNvPr id="12" name="Rectangle 11">
             <a:extLst>
               <a:ext uri="{FF2B5EF4-FFF2-40B4-BE49-F238E27FC236}">
-                <a16:creationId xmlns:a16="http://schemas.microsoft.com/office/drawing/2014/main" id="{94DA0203-BFB4-49DB-A205-51AD7549D42A}"/>
+                <a16:creationId xmlns:a16="http://schemas.microsoft.com/office/drawing/2014/main" id="{2D924463-4DB7-437D-85B1-7EE5042DE522}"/>
               </a:ext>
               <a:ext uri="{C183D7F6-B498-43B3-948B-1728B52AA6E4}">
                 <adec:decorative xmlns:adec="http://schemas.microsoft.com/office/drawing/2017/decorative" val="1"/>
@@ -14061,17 +14481,13 @@
         <p:spPr>
           <a:xfrm>
             <a:off x="0" y="0"/>
-            <a:ext cx="12188952" cy="6858000"/>
+            <a:ext cx="12192000" cy="6858000"/>
           </a:xfrm>
           <a:prstGeom prst="rect">
             <a:avLst/>
           </a:prstGeom>
           <a:ln>
-            <a:solidFill>
-              <a:schemeClr val="bg1">
-                <a:lumMod val="95000"/>
-              </a:schemeClr>
-            </a:solidFill>
+            <a:noFill/>
           </a:ln>
         </p:spPr>
         <p:style>
@@ -14109,10 +14525,10 @@
       </p:sp>
       <p:sp>
         <p:nvSpPr>
-          <p:cNvPr id="15" name="Rectangle 14">
+          <p:cNvPr id="14" name="Rectangle 13">
             <a:extLst>
               <a:ext uri="{FF2B5EF4-FFF2-40B4-BE49-F238E27FC236}">
-                <a16:creationId xmlns:a16="http://schemas.microsoft.com/office/drawing/2014/main" id="{10BFCB1E-89C9-4789-A2D9-52D6C8653F95}"/>
+                <a16:creationId xmlns:a16="http://schemas.microsoft.com/office/drawing/2014/main" id="{9F108545-2EA9-4B3E-915B-295949608005}"/>
               </a:ext>
               <a:ext uri="{C183D7F6-B498-43B3-948B-1728B52AA6E4}">
                 <adec:decorative xmlns:adec="http://schemas.microsoft.com/office/drawing/2017/decorative" val="1"/>
@@ -14133,7 +14549,155 @@
         <p:spPr>
           <a:xfrm>
             <a:off x="0" y="0"/>
-            <a:ext cx="12188952" cy="6858000"/>
+            <a:ext cx="12192000" cy="6858000"/>
+          </a:xfrm>
+          <a:prstGeom prst="rect">
+            <a:avLst/>
+          </a:prstGeom>
+          <a:solidFill>
+            <a:schemeClr val="tx2">
+              <a:lumMod val="90000"/>
+              <a:lumOff val="10000"/>
+            </a:schemeClr>
+          </a:solidFill>
+          <a:ln>
+            <a:noFill/>
+          </a:ln>
+        </p:spPr>
+        <p:style>
+          <a:lnRef idx="2">
+            <a:schemeClr val="accent1">
+              <a:shade val="50000"/>
+            </a:schemeClr>
+          </a:lnRef>
+          <a:fillRef idx="1">
+            <a:schemeClr val="accent1"/>
+          </a:fillRef>
+          <a:effectRef idx="0">
+            <a:schemeClr val="accent1"/>
+          </a:effectRef>
+          <a:fontRef idx="minor">
+            <a:schemeClr val="lt1"/>
+          </a:fontRef>
+        </p:style>
+        <p:txBody>
+          <a:bodyPr rtlCol="0" anchor="ctr"/>
+          <a:lstStyle/>
+          <a:p>
+            <a:pPr algn="ctr"/>
+            <a:endParaRPr lang="en-US">
+              <a:solidFill>
+                <a:schemeClr val="tx1">
+                  <a:lumMod val="65000"/>
+                  <a:lumOff val="35000"/>
+                </a:schemeClr>
+              </a:solidFill>
+              <a:latin typeface="AvenirNext LT Pro Medium" panose="020B0504020202020204" pitchFamily="34" charset="0"/>
+            </a:endParaRPr>
+          </a:p>
+        </p:txBody>
+      </p:sp>
+      <p:sp>
+        <p:nvSpPr>
+          <p:cNvPr id="21" name="Rectangle 20">
+            <a:extLst>
+              <a:ext uri="{FF2B5EF4-FFF2-40B4-BE49-F238E27FC236}">
+                <a16:creationId xmlns:a16="http://schemas.microsoft.com/office/drawing/2014/main" id="{A232D1C9-8AD3-453F-948D-966B7A11B77A}"/>
+              </a:ext>
+              <a:ext uri="{C183D7F6-B498-43B3-948B-1728B52AA6E4}">
+                <adec:decorative xmlns:adec="http://schemas.microsoft.com/office/drawing/2017/decorative" val="1"/>
+              </a:ext>
+            </a:extLst>
+          </p:cNvPr>
+          <p:cNvSpPr>
+            <a:spLocks noGrp="1" noRot="1" noChangeAspect="1" noMove="1" noResize="1" noEditPoints="1" noAdjustHandles="1" noChangeArrowheads="1" noChangeShapeType="1" noTextEdit="1"/>
+          </p:cNvSpPr>
+          <p:nvPr>
+            <p:extLst>
+              <p:ext uri="{386F3935-93C4-4BCD-93E2-E3B085C9AB24}">
+                <p16:designElem xmlns:p16="http://schemas.microsoft.com/office/powerpoint/2015/main" val="1"/>
+              </p:ext>
+            </p:extLst>
+          </p:nvPr>
+        </p:nvSpPr>
+        <p:spPr>
+          <a:xfrm rot="10800000">
+            <a:off x="1" y="0"/>
+            <a:ext cx="12191999" cy="6858000"/>
+          </a:xfrm>
+          <a:prstGeom prst="rect">
+            <a:avLst/>
+          </a:prstGeom>
+          <a:blipFill dpi="0" rotWithShape="1">
+            <a:blip r:embed="rId3">
+              <a:alphaModFix amt="20000"/>
+              <a:duotone>
+                <a:schemeClr val="accent1">
+                  <a:shade val="45000"/>
+                  <a:satMod val="135000"/>
+                </a:schemeClr>
+                <a:prstClr val="white"/>
+              </a:duotone>
+            </a:blip>
+            <a:srcRect/>
+            <a:tile tx="889000" ty="0" sx="100000" sy="100000" flip="none" algn="tl"/>
+          </a:blipFill>
+          <a:ln>
+            <a:noFill/>
+          </a:ln>
+        </p:spPr>
+        <p:style>
+          <a:lnRef idx="2">
+            <a:schemeClr val="accent1">
+              <a:shade val="50000"/>
+            </a:schemeClr>
+          </a:lnRef>
+          <a:fillRef idx="1">
+            <a:schemeClr val="accent1"/>
+          </a:fillRef>
+          <a:effectRef idx="0">
+            <a:schemeClr val="accent1"/>
+          </a:effectRef>
+          <a:fontRef idx="minor">
+            <a:schemeClr val="lt1"/>
+          </a:fontRef>
+        </p:style>
+        <p:txBody>
+          <a:bodyPr rtlCol="0" anchor="ctr"/>
+          <a:lstStyle/>
+          <a:p>
+            <a:pPr algn="ctr"/>
+            <a:endParaRPr lang="en-US" dirty="0"/>
+          </a:p>
+        </p:txBody>
+      </p:sp>
+      <p:sp>
+        <p:nvSpPr>
+          <p:cNvPr id="22" name="Rectangle 21">
+            <a:extLst>
+              <a:ext uri="{FF2B5EF4-FFF2-40B4-BE49-F238E27FC236}">
+                <a16:creationId xmlns:a16="http://schemas.microsoft.com/office/drawing/2014/main" id="{F4ACD4D7-3FA3-4106-AFB4-55B58A02ED08}"/>
+              </a:ext>
+              <a:ext uri="{C183D7F6-B498-43B3-948B-1728B52AA6E4}">
+                <adec:decorative xmlns:adec="http://schemas.microsoft.com/office/drawing/2017/decorative" val="1"/>
+              </a:ext>
+            </a:extLst>
+          </p:cNvPr>
+          <p:cNvSpPr>
+            <a:spLocks noGrp="1" noRot="1" noChangeAspect="1" noMove="1" noResize="1" noEditPoints="1" noAdjustHandles="1" noChangeArrowheads="1" noChangeShapeType="1" noTextEdit="1"/>
+          </p:cNvSpPr>
+          <p:nvPr>
+            <p:extLst>
+              <p:ext uri="{386F3935-93C4-4BCD-93E2-E3B085C9AB24}">
+                <p16:designElem xmlns:p16="http://schemas.microsoft.com/office/powerpoint/2015/main" val="1"/>
+              </p:ext>
+            </p:extLst>
+          </p:nvPr>
+        </p:nvSpPr>
+        <p:spPr>
+          <a:xfrm>
+            <a:off x="713457" y="739600"/>
+            <a:ext cx="10768226" cy="5390959"/>
           </a:xfrm>
           <a:prstGeom prst="rect">
             <a:avLst/>
@@ -14166,136 +14730,6 @@
           <a:lstStyle/>
           <a:p>
             <a:pPr algn="ctr"/>
-            <a:endParaRPr lang="en-US" dirty="0">
-              <a:solidFill>
-                <a:schemeClr val="tx1">
-                  <a:lumMod val="65000"/>
-                  <a:lumOff val="35000"/>
-                </a:schemeClr>
-              </a:solidFill>
-              <a:latin typeface="AvenirNext LT Pro Medium" panose="020B0504020202020204" pitchFamily="34" charset="0"/>
-            </a:endParaRPr>
-          </a:p>
-        </p:txBody>
-      </p:sp>
-      <p:pic>
-        <p:nvPicPr>
-          <p:cNvPr id="5" name="Picture 4" descr="Camera lens close up">
-            <a:extLst>
-              <a:ext uri="{FF2B5EF4-FFF2-40B4-BE49-F238E27FC236}">
-                <a16:creationId xmlns:a16="http://schemas.microsoft.com/office/drawing/2014/main" id="{EB7870EC-0D14-CF31-D46F-68DE07528496}"/>
-              </a:ext>
-            </a:extLst>
-          </p:cNvPr>
-          <p:cNvPicPr>
-            <a:picLocks noChangeAspect="1"/>
-          </p:cNvPicPr>
-          <p:nvPr/>
-        </p:nvPicPr>
-        <p:blipFill>
-          <a:blip r:embed="rId3">
-            <a:alphaModFix/>
-          </a:blip>
-          <a:srcRect t="15747"/>
-          <a:stretch/>
-        </p:blipFill>
-        <p:spPr>
-          <a:xfrm>
-            <a:off x="20" y="10"/>
-            <a:ext cx="12191980" cy="6856614"/>
-          </a:xfrm>
-          <a:prstGeom prst="rect">
-            <a:avLst/>
-          </a:prstGeom>
-        </p:spPr>
-      </p:pic>
-      <p:sp>
-        <p:nvSpPr>
-          <p:cNvPr id="17" name="Rectangle 16">
-            <a:extLst>
-              <a:ext uri="{FF2B5EF4-FFF2-40B4-BE49-F238E27FC236}">
-                <a16:creationId xmlns:a16="http://schemas.microsoft.com/office/drawing/2014/main" id="{16F61E84-9DCA-4F22-94BC-C901DB49995D}"/>
-              </a:ext>
-              <a:ext uri="{C183D7F6-B498-43B3-948B-1728B52AA6E4}">
-                <adec:decorative xmlns:adec="http://schemas.microsoft.com/office/drawing/2017/decorative" val="1"/>
-              </a:ext>
-            </a:extLst>
-          </p:cNvPr>
-          <p:cNvSpPr>
-            <a:spLocks noGrp="1" noRot="1" noChangeAspect="1" noMove="1" noResize="1" noEditPoints="1" noAdjustHandles="1" noChangeArrowheads="1" noChangeShapeType="1" noTextEdit="1"/>
-          </p:cNvSpPr>
-          <p:nvPr>
-            <p:extLst>
-              <p:ext uri="{386F3935-93C4-4BCD-93E2-E3B085C9AB24}">
-                <p16:designElem xmlns:p16="http://schemas.microsoft.com/office/powerpoint/2015/main" val="1"/>
-              </p:ext>
-            </p:extLst>
-          </p:nvPr>
-        </p:nvSpPr>
-        <p:spPr>
-          <a:xfrm>
-            <a:off x="1" y="681775"/>
-            <a:ext cx="12191999" cy="5479852"/>
-          </a:xfrm>
-          <a:prstGeom prst="rect">
-            <a:avLst/>
-          </a:prstGeom>
-          <a:gradFill flip="none" rotWithShape="1">
-            <a:gsLst>
-              <a:gs pos="50000">
-                <a:schemeClr val="tx1">
-                  <a:alpha val="30000"/>
-                </a:schemeClr>
-              </a:gs>
-              <a:gs pos="80000">
-                <a:schemeClr val="tx1">
-                  <a:alpha val="15000"/>
-                </a:schemeClr>
-              </a:gs>
-              <a:gs pos="0">
-                <a:schemeClr val="tx1">
-                  <a:alpha val="0"/>
-                </a:schemeClr>
-              </a:gs>
-              <a:gs pos="20000">
-                <a:schemeClr val="tx1">
-                  <a:alpha val="15000"/>
-                </a:schemeClr>
-              </a:gs>
-              <a:gs pos="100000">
-                <a:schemeClr val="tx1">
-                  <a:alpha val="0"/>
-                </a:schemeClr>
-              </a:gs>
-            </a:gsLst>
-            <a:lin ang="16200000" scaled="1"/>
-            <a:tileRect/>
-          </a:gradFill>
-          <a:ln>
-            <a:noFill/>
-          </a:ln>
-        </p:spPr>
-        <p:style>
-          <a:lnRef idx="2">
-            <a:schemeClr val="accent1">
-              <a:shade val="50000"/>
-            </a:schemeClr>
-          </a:lnRef>
-          <a:fillRef idx="1">
-            <a:schemeClr val="accent1"/>
-          </a:fillRef>
-          <a:effectRef idx="0">
-            <a:schemeClr val="accent1"/>
-          </a:effectRef>
-          <a:fontRef idx="minor">
-            <a:schemeClr val="lt1"/>
-          </a:fontRef>
-        </p:style>
-        <p:txBody>
-          <a:bodyPr rtlCol="0" anchor="ctr"/>
-          <a:lstStyle/>
-          <a:p>
-            <a:pPr algn="ctr"/>
             <a:endParaRPr lang="en-US"/>
           </a:p>
         </p:txBody>
@@ -14305,7 +14739,7 @@
           <p:cNvPr id="2" name="Title 1">
             <a:extLst>
               <a:ext uri="{FF2B5EF4-FFF2-40B4-BE49-F238E27FC236}">
-                <a16:creationId xmlns:a16="http://schemas.microsoft.com/office/drawing/2014/main" id="{422E1926-8263-BEBD-7CDA-6779057B71D9}"/>
+                <a16:creationId xmlns:a16="http://schemas.microsoft.com/office/drawing/2014/main" id="{117A17FD-58AA-C35E-FD69-6B070AA14A89}"/>
               </a:ext>
             </a:extLst>
           </p:cNvPr>
@@ -14318,8 +14752,8 @@
         </p:nvSpPr>
         <p:spPr>
           <a:xfrm>
-            <a:off x="996275" y="744909"/>
-            <a:ext cx="10190071" cy="3145855"/>
+            <a:off x="1600201" y="1219200"/>
+            <a:ext cx="9067799" cy="1716416"/>
           </a:xfrm>
         </p:spPr>
         <p:txBody>
@@ -14330,20 +14764,78 @@
           <a:p>
             <a:pPr algn="ctr"/>
             <a:r>
-              <a:rPr lang="en-US" sz="5400" dirty="0">
+              <a:rPr lang="en-US" sz="5200" dirty="0">
                 <a:solidFill>
-                  <a:srgbClr val="FFFFFF"/>
+                  <a:schemeClr val="tx2"/>
                 </a:solidFill>
               </a:rPr>
-              <a:t>Demo</a:t>
+              <a:t>GitHub Repo</a:t>
             </a:r>
+          </a:p>
+        </p:txBody>
+      </p:sp>
+      <p:sp>
+        <p:nvSpPr>
+          <p:cNvPr id="3" name="Content Placeholder 2">
+            <a:extLst>
+              <a:ext uri="{FF2B5EF4-FFF2-40B4-BE49-F238E27FC236}">
+                <a16:creationId xmlns:a16="http://schemas.microsoft.com/office/drawing/2014/main" id="{6387F47F-A349-7F7D-94E5-6D3D21B7B28C}"/>
+              </a:ext>
+            </a:extLst>
+          </p:cNvPr>
+          <p:cNvSpPr>
+            <a:spLocks noGrp="1"/>
+          </p:cNvSpPr>
+          <p:nvPr>
+            <p:ph idx="1"/>
+          </p:nvPr>
+        </p:nvSpPr>
+        <p:spPr>
+          <a:xfrm>
+            <a:off x="1600202" y="4074784"/>
+            <a:ext cx="9067798" cy="1716416"/>
+          </a:xfrm>
+        </p:spPr>
+        <p:txBody>
+          <a:bodyPr vert="horz" lIns="91440" tIns="45720" rIns="91440" bIns="45720" rtlCol="0" anchor="t">
+            <a:normAutofit/>
+          </a:bodyPr>
+          <a:lstStyle/>
+          <a:p>
+            <a:pPr marL="0" indent="0" algn="ctr">
+              <a:buNone/>
+            </a:pPr>
+            <a:r>
+              <a:rPr lang="en-US" sz="2200" dirty="0">
+                <a:solidFill>
+                  <a:schemeClr val="tx2"/>
+                </a:solidFill>
+                <a:hlinkClick r:id="rId4"/>
+              </a:rPr>
+              <a:t>https://github.com/pavan-kalam/Blockchain-based-realestate-management-system</a:t>
+            </a:r>
+            <a:endParaRPr lang="en-US" sz="2200" dirty="0">
+              <a:solidFill>
+                <a:schemeClr val="tx2"/>
+              </a:solidFill>
+            </a:endParaRPr>
+          </a:p>
+          <a:p>
+            <a:pPr marL="0" indent="0" algn="ctr">
+              <a:buNone/>
+            </a:pPr>
+            <a:endParaRPr lang="en-US" sz="2200" dirty="0">
+              <a:solidFill>
+                <a:schemeClr val="tx2"/>
+              </a:solidFill>
+            </a:endParaRPr>
           </a:p>
         </p:txBody>
       </p:sp>
     </p:spTree>
     <p:extLst>
       <p:ext uri="{BB962C8B-B14F-4D97-AF65-F5344CB8AC3E}">
-        <p14:creationId xmlns:p14="http://schemas.microsoft.com/office/powerpoint/2010/main" val="2337856961"/>
+        <p14:creationId xmlns:p14="http://schemas.microsoft.com/office/powerpoint/2010/main" val="1421930042"/>
       </p:ext>
     </p:extLst>
   </p:cSld>
@@ -14353,7 +14845,7 @@
 </p:sld>
 </file>
 
-<file path=ppt/slides/slide12.xml><?xml version="1.0" encoding="utf-8"?>
+<file path=ppt/slides/slide13.xml><?xml version="1.0" encoding="utf-8"?>
 <p:sld xmlns:a="http://schemas.openxmlformats.org/drawingml/2006/main" xmlns:r="http://schemas.openxmlformats.org/officeDocument/2006/relationships" xmlns:p="http://schemas.openxmlformats.org/presentationml/2006/main">
   <p:cSld>
     <p:bg>
@@ -16469,7 +16961,7 @@
                 <a:effectLst/>
                 <a:latin typeface="__fkGroteskNeue_598ab8"/>
               </a:rPr>
-              <a:t>Frontend: HTML, JavaScript has used to </a:t>
+              <a:t>HTML, React.js has used to </a:t>
             </a:r>
             <a:r>
               <a:rPr lang="en-IN" sz="1800" b="0" i="0" u="none" strike="noStrike" dirty="0">
